--- a/Docs/Seminars/20201001_DAFNI/DAFNI_ChampionFollowup_Raimbault.pptx
+++ b/Docs/Seminars/20201001_DAFNI/DAFNI_ChampionFollowup_Raimbault.pptx
@@ -9,6 +9,9 @@
   </p:notesMasterIdLst>
   <p:sldIdLst>
     <p:sldId id="256" r:id="rId4"/>
+    <p:sldId id="257" r:id="rId5"/>
+    <p:sldId id="258" r:id="rId6"/>
+    <p:sldId id="259" r:id="rId7"/>
   </p:sldIdLst>
   <p:sldSz cx="12192000" cy="6858000"/>
   <p:notesSz cx="6858000" cy="9144000"/>
@@ -192,7 +195,7 @@
           <a:bodyPr lIns="0" rIns="0" tIns="0" bIns="0" anchor="b"/>
           <a:p>
             <a:pPr algn="r"/>
-            <a:fld id="{48F9808C-D8E5-4702-B95F-090975955959}" type="slidenum">
+            <a:fld id="{FC706BD1-E17D-4716-866F-C2E660C115D8}" type="slidenum">
               <a:rPr b="0" lang="en-GB" sz="1400" spc="-1" strike="noStrike">
                 <a:latin typeface="Times New Roman"/>
               </a:rPr>
@@ -229,7 +232,7 @@
       </p:grpSpPr>
       <p:sp>
         <p:nvSpPr>
-          <p:cNvPr id="54" name="PlaceHolder 1"/>
+          <p:cNvPr id="74" name="PlaceHolder 1"/>
           <p:cNvSpPr>
             <a:spLocks noGrp="1"/>
           </p:cNvSpPr>
@@ -257,7 +260,7 @@
       </p:sp>
       <p:sp>
         <p:nvSpPr>
-          <p:cNvPr id="55" name="CustomShape 2"/>
+          <p:cNvPr id="75" name="CustomShape 2"/>
           <p:cNvSpPr/>
           <p:nvPr/>
         </p:nvSpPr>
@@ -288,7 +291,7 @@
                 <a:spcPct val="100000"/>
               </a:lnSpc>
             </a:pPr>
-            <a:fld id="{5729C206-AB33-4F20-B4E0-2E2847494CE8}" type="slidenum">
+            <a:fld id="{88E1977F-C226-4A41-8BCE-8F1233AED67A}" type="slidenum">
               <a:rPr b="0" lang="en-GB" sz="1100" spc="-1" strike="noStrike">
                 <a:solidFill>
                   <a:srgbClr val="000000"/>
@@ -297,6 +300,303 @@
                 <a:ea typeface="+mn-ea"/>
               </a:rPr>
               <a:t>1</a:t>
+            </a:fld>
+            <a:endParaRPr b="0" lang="en-GB" sz="1100" spc="-1" strike="noStrike">
+              <a:latin typeface="Arial"/>
+            </a:endParaRPr>
+          </a:p>
+        </p:txBody>
+      </p:sp>
+    </p:spTree>
+  </p:cSld>
+</p:notes>
+</file>
+
+<file path=ppt/notesSlides/notesSlide2.xml><?xml version="1.0" encoding="utf-8"?>
+<p:notes xmlns:a="http://schemas.openxmlformats.org/drawingml/2006/main" xmlns:p="http://schemas.openxmlformats.org/presentationml/2006/main" xmlns:r="http://schemas.openxmlformats.org/officeDocument/2006/relationships" xmlns:p14="http://schemas.microsoft.com/office/powerpoint/2010/main" xmlns:p15="http://schemas.microsoft.com/office/powerpoint/2012/main" xmlns:mc="http://schemas.openxmlformats.org/markup-compatibility/2006">
+  <p:cSld>
+    <p:spTree>
+      <p:nvGrpSpPr>
+        <p:cNvPr id="1" name=""/>
+        <p:cNvGrpSpPr/>
+        <p:nvPr/>
+      </p:nvGrpSpPr>
+      <p:grpSpPr>
+        <a:xfrm>
+          <a:off x="0" y="0"/>
+          <a:ext cx="0" cy="0"/>
+          <a:chOff x="0" y="0"/>
+          <a:chExt cx="0" cy="0"/>
+        </a:xfrm>
+      </p:grpSpPr>
+      <p:sp>
+        <p:nvSpPr>
+          <p:cNvPr id="76" name="PlaceHolder 1"/>
+          <p:cNvSpPr>
+            <a:spLocks noGrp="1"/>
+          </p:cNvSpPr>
+          <p:nvPr>
+            <p:ph type="body"/>
+          </p:nvPr>
+        </p:nvSpPr>
+        <p:spPr>
+          <a:xfrm>
+            <a:off x="685800" y="4400640"/>
+            <a:ext cx="5484960" cy="3598920"/>
+          </a:xfrm>
+          <a:prstGeom prst="rect">
+            <a:avLst/>
+          </a:prstGeom>
+        </p:spPr>
+        <p:txBody>
+          <a:bodyPr lIns="0" rIns="0" tIns="0" bIns="0"/>
+          <a:p>
+            <a:endParaRPr b="0" lang="en-GB" sz="2000" spc="-1" strike="noStrike">
+              <a:latin typeface="Arial"/>
+            </a:endParaRPr>
+          </a:p>
+        </p:txBody>
+      </p:sp>
+      <p:sp>
+        <p:nvSpPr>
+          <p:cNvPr id="77" name="CustomShape 2"/>
+          <p:cNvSpPr/>
+          <p:nvPr/>
+        </p:nvSpPr>
+        <p:spPr>
+          <a:xfrm>
+            <a:off x="3884760" y="8685360"/>
+            <a:ext cx="2970360" cy="457200"/>
+          </a:xfrm>
+          <a:prstGeom prst="rect">
+            <a:avLst/>
+          </a:prstGeom>
+          <a:noFill/>
+          <a:ln>
+            <a:noFill/>
+          </a:ln>
+        </p:spPr>
+        <p:style>
+          <a:lnRef idx="0"/>
+          <a:fillRef idx="0"/>
+          <a:effectRef idx="0"/>
+          <a:fontRef idx="minor"/>
+        </p:style>
+        <p:txBody>
+          <a:bodyPr lIns="90000" rIns="90000" tIns="45000" bIns="45000" anchor="b"/>
+          <a:p>
+            <a:pPr algn="r">
+              <a:lnSpc>
+                <a:spcPct val="100000"/>
+              </a:lnSpc>
+            </a:pPr>
+            <a:fld id="{A3B34436-CBBC-4A41-BE6A-3F1B0000AF7C}" type="slidenum">
+              <a:rPr b="0" lang="en-GB" sz="1100" spc="-1" strike="noStrike">
+                <a:solidFill>
+                  <a:srgbClr val="000000"/>
+                </a:solidFill>
+                <a:latin typeface="Calibri"/>
+                <a:ea typeface="+mn-ea"/>
+              </a:rPr>
+              <a:t>1</a:t>
+            </a:fld>
+            <a:endParaRPr b="0" lang="en-GB" sz="1100" spc="-1" strike="noStrike">
+              <a:latin typeface="Arial"/>
+            </a:endParaRPr>
+          </a:p>
+        </p:txBody>
+      </p:sp>
+    </p:spTree>
+  </p:cSld>
+</p:notes>
+</file>
+
+<file path=ppt/notesSlides/notesSlide3.xml><?xml version="1.0" encoding="utf-8"?>
+<p:notes xmlns:a="http://schemas.openxmlformats.org/drawingml/2006/main" xmlns:p="http://schemas.openxmlformats.org/presentationml/2006/main" xmlns:r="http://schemas.openxmlformats.org/officeDocument/2006/relationships" xmlns:p14="http://schemas.microsoft.com/office/powerpoint/2010/main" xmlns:p15="http://schemas.microsoft.com/office/powerpoint/2012/main" xmlns:mc="http://schemas.openxmlformats.org/markup-compatibility/2006">
+  <p:cSld>
+    <p:spTree>
+      <p:nvGrpSpPr>
+        <p:cNvPr id="1" name=""/>
+        <p:cNvGrpSpPr/>
+        <p:nvPr/>
+      </p:nvGrpSpPr>
+      <p:grpSpPr>
+        <a:xfrm>
+          <a:off x="0" y="0"/>
+          <a:ext cx="0" cy="0"/>
+          <a:chOff x="0" y="0"/>
+          <a:chExt cx="0" cy="0"/>
+        </a:xfrm>
+      </p:grpSpPr>
+      <p:sp>
+        <p:nvSpPr>
+          <p:cNvPr id="78" name="PlaceHolder 1"/>
+          <p:cNvSpPr>
+            <a:spLocks noGrp="1"/>
+          </p:cNvSpPr>
+          <p:nvPr>
+            <p:ph type="body"/>
+          </p:nvPr>
+        </p:nvSpPr>
+        <p:spPr>
+          <a:xfrm>
+            <a:off x="685800" y="4400640"/>
+            <a:ext cx="5484960" cy="3598920"/>
+          </a:xfrm>
+          <a:prstGeom prst="rect">
+            <a:avLst/>
+          </a:prstGeom>
+        </p:spPr>
+        <p:txBody>
+          <a:bodyPr lIns="0" rIns="0" tIns="0" bIns="0"/>
+          <a:p>
+            <a:endParaRPr b="0" lang="en-GB" sz="2000" spc="-1" strike="noStrike">
+              <a:latin typeface="Arial"/>
+            </a:endParaRPr>
+          </a:p>
+        </p:txBody>
+      </p:sp>
+      <p:sp>
+        <p:nvSpPr>
+          <p:cNvPr id="79" name="CustomShape 2"/>
+          <p:cNvSpPr/>
+          <p:nvPr/>
+        </p:nvSpPr>
+        <p:spPr>
+          <a:xfrm>
+            <a:off x="3884760" y="8685360"/>
+            <a:ext cx="2970360" cy="457200"/>
+          </a:xfrm>
+          <a:prstGeom prst="rect">
+            <a:avLst/>
+          </a:prstGeom>
+          <a:noFill/>
+          <a:ln>
+            <a:noFill/>
+          </a:ln>
+        </p:spPr>
+        <p:style>
+          <a:lnRef idx="0"/>
+          <a:fillRef idx="0"/>
+          <a:effectRef idx="0"/>
+          <a:fontRef idx="minor"/>
+        </p:style>
+        <p:txBody>
+          <a:bodyPr lIns="90000" rIns="90000" tIns="45000" bIns="45000" anchor="b"/>
+          <a:p>
+            <a:pPr algn="r">
+              <a:lnSpc>
+                <a:spcPct val="100000"/>
+              </a:lnSpc>
+            </a:pPr>
+            <a:fld id="{16BAAADB-BBC5-4A59-B212-885922C758A6}" type="slidenum">
+              <a:rPr b="0" lang="en-GB" sz="1100" spc="-1" strike="noStrike">
+                <a:solidFill>
+                  <a:srgbClr val="000000"/>
+                </a:solidFill>
+                <a:latin typeface="Calibri"/>
+                <a:ea typeface="+mn-ea"/>
+              </a:rPr>
+              <a:t>1</a:t>
+            </a:fld>
+            <a:endParaRPr b="0" lang="en-GB" sz="1100" spc="-1" strike="noStrike">
+              <a:latin typeface="Arial"/>
+            </a:endParaRPr>
+          </a:p>
+        </p:txBody>
+      </p:sp>
+    </p:spTree>
+  </p:cSld>
+</p:notes>
+</file>
+
+<file path=ppt/notesSlides/notesSlide4.xml><?xml version="1.0" encoding="utf-8"?>
+<p:notes xmlns:a="http://schemas.openxmlformats.org/drawingml/2006/main" xmlns:p="http://schemas.openxmlformats.org/presentationml/2006/main" xmlns:r="http://schemas.openxmlformats.org/officeDocument/2006/relationships" xmlns:p14="http://schemas.microsoft.com/office/powerpoint/2010/main" xmlns:p15="http://schemas.microsoft.com/office/powerpoint/2012/main" xmlns:mc="http://schemas.openxmlformats.org/markup-compatibility/2006">
+  <p:cSld>
+    <p:spTree>
+      <p:nvGrpSpPr>
+        <p:cNvPr id="1" name=""/>
+        <p:cNvGrpSpPr/>
+        <p:nvPr/>
+      </p:nvGrpSpPr>
+      <p:grpSpPr>
+        <a:xfrm>
+          <a:off x="0" y="0"/>
+          <a:ext cx="0" cy="0"/>
+          <a:chOff x="0" y="0"/>
+          <a:chExt cx="0" cy="0"/>
+        </a:xfrm>
+      </p:grpSpPr>
+      <p:sp>
+        <p:nvSpPr>
+          <p:cNvPr id="80" name="PlaceHolder 1"/>
+          <p:cNvSpPr>
+            <a:spLocks noGrp="1"/>
+          </p:cNvSpPr>
+          <p:nvPr>
+            <p:ph type="body"/>
+          </p:nvPr>
+        </p:nvSpPr>
+        <p:spPr>
+          <a:xfrm>
+            <a:off x="685800" y="4400640"/>
+            <a:ext cx="5484960" cy="3598920"/>
+          </a:xfrm>
+          <a:prstGeom prst="rect">
+            <a:avLst/>
+          </a:prstGeom>
+        </p:spPr>
+        <p:txBody>
+          <a:bodyPr lIns="0" rIns="0" tIns="0" bIns="0"/>
+          <a:p>
+            <a:endParaRPr b="0" lang="en-GB" sz="2000" spc="-1" strike="noStrike">
+              <a:latin typeface="Arial"/>
+            </a:endParaRPr>
+          </a:p>
+        </p:txBody>
+      </p:sp>
+      <p:sp>
+        <p:nvSpPr>
+          <p:cNvPr id="81" name="CustomShape 2"/>
+          <p:cNvSpPr/>
+          <p:nvPr/>
+        </p:nvSpPr>
+        <p:spPr>
+          <a:xfrm>
+            <a:off x="3884760" y="8685360"/>
+            <a:ext cx="2970360" cy="457200"/>
+          </a:xfrm>
+          <a:prstGeom prst="rect">
+            <a:avLst/>
+          </a:prstGeom>
+          <a:noFill/>
+          <a:ln>
+            <a:noFill/>
+          </a:ln>
+        </p:spPr>
+        <p:style>
+          <a:lnRef idx="0"/>
+          <a:fillRef idx="0"/>
+          <a:effectRef idx="0"/>
+          <a:fontRef idx="minor"/>
+        </p:style>
+        <p:txBody>
+          <a:bodyPr lIns="90000" rIns="90000" tIns="45000" bIns="45000" anchor="b"/>
+          <a:p>
+            <a:pPr algn="r">
+              <a:lnSpc>
+                <a:spcPct val="100000"/>
+              </a:lnSpc>
+            </a:pPr>
+            <a:fld id="{ADBACAD5-F876-412B-A475-22393B29769A}" type="slidenum">
+              <a:rPr b="0" lang="en-GB" sz="1100" spc="-1" strike="noStrike">
+                <a:solidFill>
+                  <a:srgbClr val="000000"/>
+                </a:solidFill>
+                <a:latin typeface="Calibri"/>
+                <a:ea typeface="+mn-ea"/>
+              </a:rPr>
+              <a:t>&lt;number&gt;</a:t>
             </a:fld>
             <a:endParaRPr b="0" lang="en-GB" sz="1100" spc="-1" strike="noStrike">
               <a:latin typeface="Arial"/>
@@ -2513,6 +2813,1879 @@
           <p:childTnLst>
             <p:seq>
               <p:cTn id="2" nodeType="mainSeq"/>
+              <p:prevCondLst>
+                <p:cond delay="0" evt="onPrev">
+                  <p:tgtEl>
+                    <p:sldTgt/>
+                  </p:tgtEl>
+                </p:cond>
+              </p:prevCondLst>
+              <p:nextCondLst>
+                <p:cond delay="0" evt="onNext">
+                  <p:tgtEl>
+                    <p:sldTgt/>
+                  </p:tgtEl>
+                </p:cond>
+              </p:nextCondLst>
+            </p:seq>
+          </p:childTnLst>
+        </p:cTn>
+      </p:par>
+    </p:tnLst>
+  </p:timing>
+</p:sld>
+</file>
+
+<file path=ppt/slides/slide2.xml><?xml version="1.0" encoding="utf-8"?>
+<p:sld xmlns:a="http://schemas.openxmlformats.org/drawingml/2006/main" xmlns:p="http://schemas.openxmlformats.org/presentationml/2006/main" xmlns:r="http://schemas.openxmlformats.org/officeDocument/2006/relationships" xmlns:p14="http://schemas.microsoft.com/office/powerpoint/2010/main" xmlns:p15="http://schemas.microsoft.com/office/powerpoint/2012/main" xmlns:mc="http://schemas.openxmlformats.org/markup-compatibility/2006">
+  <p:cSld>
+    <p:spTree>
+      <p:nvGrpSpPr>
+        <p:cNvPr id="1" name=""/>
+        <p:cNvGrpSpPr/>
+        <p:nvPr/>
+      </p:nvGrpSpPr>
+      <p:grpSpPr>
+        <a:xfrm>
+          <a:off x="0" y="0"/>
+          <a:ext cx="0" cy="0"/>
+          <a:chOff x="0" y="0"/>
+          <a:chExt cx="0" cy="0"/>
+        </a:xfrm>
+      </p:grpSpPr>
+      <p:sp>
+        <p:nvSpPr>
+          <p:cNvPr id="54" name="CustomShape 1"/>
+          <p:cNvSpPr/>
+          <p:nvPr/>
+        </p:nvSpPr>
+        <p:spPr>
+          <a:xfrm>
+            <a:off x="0" y="1260000"/>
+            <a:ext cx="12190680" cy="107280"/>
+          </a:xfrm>
+          <a:custGeom>
+            <a:avLst/>
+            <a:gdLst/>
+            <a:ahLst/>
+            <a:rect l="l" t="t" r="r" b="b"/>
+            <a:pathLst>
+              <a:path w="12192000" h="108584">
+                <a:moveTo>
+                  <a:pt x="0" y="0"/>
+                </a:moveTo>
+                <a:lnTo>
+                  <a:pt x="12192000" y="0"/>
+                </a:lnTo>
+                <a:lnTo>
+                  <a:pt x="12192000" y="107999"/>
+                </a:lnTo>
+                <a:lnTo>
+                  <a:pt x="0" y="107999"/>
+                </a:lnTo>
+                <a:lnTo>
+                  <a:pt x="0" y="0"/>
+                </a:lnTo>
+                <a:close/>
+              </a:path>
+            </a:pathLst>
+          </a:custGeom>
+          <a:solidFill>
+            <a:srgbClr val="eaab00"/>
+          </a:solidFill>
+          <a:ln>
+            <a:noFill/>
+          </a:ln>
+        </p:spPr>
+        <p:style>
+          <a:lnRef idx="0"/>
+          <a:fillRef idx="0"/>
+          <a:effectRef idx="0"/>
+          <a:fontRef idx="minor"/>
+        </p:style>
+      </p:sp>
+      <p:sp>
+        <p:nvSpPr>
+          <p:cNvPr id="55" name="CustomShape 2"/>
+          <p:cNvSpPr/>
+          <p:nvPr/>
+        </p:nvSpPr>
+        <p:spPr>
+          <a:xfrm flipV="1" rot="10800000">
+            <a:off x="12250440" y="6858000"/>
+            <a:ext cx="12313080" cy="6873120"/>
+          </a:xfrm>
+          <a:prstGeom prst="rect">
+            <a:avLst/>
+          </a:prstGeom>
+          <a:blipFill>
+            <a:blip r:embed="rId1"/>
+            <a:stretch>
+              <a:fillRect/>
+            </a:stretch>
+          </a:blipFill>
+          <a:ln>
+            <a:noFill/>
+          </a:ln>
+        </p:spPr>
+        <p:style>
+          <a:lnRef idx="0"/>
+          <a:fillRef idx="0"/>
+          <a:effectRef idx="0"/>
+          <a:fontRef idx="minor"/>
+        </p:style>
+      </p:sp>
+      <p:sp>
+        <p:nvSpPr>
+          <p:cNvPr id="56" name="CustomShape 3"/>
+          <p:cNvSpPr/>
+          <p:nvPr/>
+        </p:nvSpPr>
+        <p:spPr>
+          <a:xfrm>
+            <a:off x="749880" y="316440"/>
+            <a:ext cx="4620240" cy="1045440"/>
+          </a:xfrm>
+          <a:prstGeom prst="rect">
+            <a:avLst/>
+          </a:prstGeom>
+          <a:blipFill>
+            <a:blip r:embed="rId2"/>
+            <a:stretch>
+              <a:fillRect/>
+            </a:stretch>
+          </a:blipFill>
+          <a:ln>
+            <a:noFill/>
+          </a:ln>
+        </p:spPr>
+        <p:style>
+          <a:lnRef idx="0"/>
+          <a:fillRef idx="0"/>
+          <a:effectRef idx="0"/>
+          <a:fontRef idx="minor"/>
+        </p:style>
+      </p:sp>
+      <p:pic>
+        <p:nvPicPr>
+          <p:cNvPr id="57" name="Picture 8" descr=""/>
+          <p:cNvPicPr/>
+          <p:nvPr/>
+        </p:nvPicPr>
+        <p:blipFill>
+          <a:blip r:embed="rId3"/>
+          <a:stretch/>
+        </p:blipFill>
+        <p:spPr>
+          <a:xfrm>
+            <a:off x="8407440" y="405720"/>
+            <a:ext cx="2807640" cy="942120"/>
+          </a:xfrm>
+          <a:prstGeom prst="rect">
+            <a:avLst/>
+          </a:prstGeom>
+          <a:ln>
+            <a:noFill/>
+          </a:ln>
+        </p:spPr>
+      </p:pic>
+      <p:sp>
+        <p:nvSpPr>
+          <p:cNvPr id="58" name="CustomShape 4"/>
+          <p:cNvSpPr/>
+          <p:nvPr/>
+        </p:nvSpPr>
+        <p:spPr>
+          <a:xfrm>
+            <a:off x="-144000" y="1529280"/>
+            <a:ext cx="5112000" cy="485640"/>
+          </a:xfrm>
+          <a:prstGeom prst="rect">
+            <a:avLst/>
+          </a:prstGeom>
+          <a:noFill/>
+          <a:ln>
+            <a:noFill/>
+          </a:ln>
+        </p:spPr>
+        <p:style>
+          <a:lnRef idx="0"/>
+          <a:fillRef idx="0"/>
+          <a:effectRef idx="0"/>
+          <a:fontRef idx="minor"/>
+        </p:style>
+        <p:txBody>
+          <a:bodyPr lIns="90000" rIns="90000" tIns="45000" bIns="45000"/>
+          <a:p>
+            <a:pPr algn="ctr">
+              <a:lnSpc>
+                <a:spcPct val="100000"/>
+              </a:lnSpc>
+            </a:pPr>
+            <a:r>
+              <a:rPr b="0" lang="en-GB" sz="2800" spc="-1" strike="noStrike">
+                <a:solidFill>
+                  <a:srgbClr val="000000"/>
+                </a:solidFill>
+                <a:latin typeface="Arial"/>
+                <a:ea typeface="DejaVu Sans"/>
+              </a:rPr>
+              <a:t>Integrating SPENSER</a:t>
+            </a:r>
+            <a:endParaRPr b="0" lang="en-GB" sz="2800" spc="-1" strike="noStrike">
+              <a:latin typeface="Arial"/>
+            </a:endParaRPr>
+          </a:p>
+        </p:txBody>
+      </p:sp>
+      <p:sp>
+        <p:nvSpPr>
+          <p:cNvPr id="59" name="CustomShape 5"/>
+          <p:cNvSpPr/>
+          <p:nvPr/>
+        </p:nvSpPr>
+        <p:spPr>
+          <a:xfrm>
+            <a:off x="413280" y="2179080"/>
+            <a:ext cx="11250720" cy="1564200"/>
+          </a:xfrm>
+          <a:prstGeom prst="rect">
+            <a:avLst/>
+          </a:prstGeom>
+          <a:noFill/>
+          <a:ln>
+            <a:noFill/>
+          </a:ln>
+        </p:spPr>
+        <p:style>
+          <a:lnRef idx="0"/>
+          <a:fillRef idx="0"/>
+          <a:effectRef idx="0"/>
+          <a:fontRef idx="minor"/>
+        </p:style>
+        <p:txBody>
+          <a:bodyPr lIns="90000" rIns="90000" tIns="45000" bIns="45000"/>
+          <a:p>
+            <a:endParaRPr b="0" lang="en-GB" sz="1800" spc="-1" strike="noStrike">
+              <a:latin typeface="Arial"/>
+            </a:endParaRPr>
+          </a:p>
+          <a:p>
+            <a:pPr marL="216000" indent="-214560">
+              <a:lnSpc>
+                <a:spcPct val="100000"/>
+              </a:lnSpc>
+              <a:buClr>
+                <a:srgbClr val="000000"/>
+              </a:buClr>
+              <a:buSzPct val="45000"/>
+              <a:buFont typeface="Wingdings" charset="2"/>
+              <a:buChar char=""/>
+            </a:pPr>
+            <a:r>
+              <a:rPr b="0" lang="en-GB" sz="2000" spc="-1" strike="noStrike">
+                <a:solidFill>
+                  <a:srgbClr val="000000"/>
+                </a:solidFill>
+                <a:latin typeface="Arial"/>
+                <a:ea typeface="DejaVu Sans"/>
+              </a:rPr>
+              <a:t>Running workflow with SPENSER microsimulation module (generate synthetic population for all MSOAs in a given region) – </a:t>
+            </a:r>
+            <a:r>
+              <a:rPr b="0" i="1" lang="en-GB" sz="2000" spc="-1" strike="noStrike">
+                <a:solidFill>
+                  <a:srgbClr val="000000"/>
+                </a:solidFill>
+                <a:latin typeface="Arial"/>
+                <a:ea typeface="DejaVu Sans"/>
+              </a:rPr>
+              <a:t>visualization still failing</a:t>
+            </a:r>
+            <a:endParaRPr b="0" lang="en-GB" sz="2000" spc="-1" strike="noStrike">
+              <a:latin typeface="Arial"/>
+            </a:endParaRPr>
+          </a:p>
+          <a:p>
+            <a:pPr marL="216000" indent="-214560">
+              <a:lnSpc>
+                <a:spcPct val="100000"/>
+              </a:lnSpc>
+              <a:buClr>
+                <a:srgbClr val="000000"/>
+              </a:buClr>
+              <a:buSzPct val="45000"/>
+              <a:buFont typeface="Wingdings" charset="2"/>
+              <a:buChar char=""/>
+            </a:pPr>
+            <a:endParaRPr b="0" lang="en-GB" sz="2000" spc="-1" strike="noStrike">
+              <a:latin typeface="Arial"/>
+            </a:endParaRPr>
+          </a:p>
+          <a:p>
+            <a:pPr marL="216000" indent="-214560">
+              <a:lnSpc>
+                <a:spcPct val="100000"/>
+              </a:lnSpc>
+              <a:buClr>
+                <a:srgbClr val="000000"/>
+              </a:buClr>
+              <a:buSzPct val="45000"/>
+              <a:buFont typeface="Wingdings" charset="2"/>
+              <a:buChar char=""/>
+            </a:pPr>
+            <a:r>
+              <a:rPr b="0" lang="en-GB" sz="2000" spc="-1" strike="noStrike">
+                <a:solidFill>
+                  <a:srgbClr val="000000"/>
+                </a:solidFill>
+                <a:latin typeface="Arial"/>
+                <a:ea typeface="DejaVu Sans"/>
+              </a:rPr>
+              <a:t>Next step: conversion SPENSER output → Matsim xml format (within SPENSER docker or as a separate coupled model?)</a:t>
+            </a:r>
+            <a:endParaRPr b="0" lang="en-GB" sz="2000" spc="-1" strike="noStrike">
+              <a:latin typeface="Arial"/>
+            </a:endParaRPr>
+          </a:p>
+          <a:p>
+            <a:pPr>
+              <a:lnSpc>
+                <a:spcPct val="100000"/>
+              </a:lnSpc>
+            </a:pPr>
+            <a:endParaRPr b="0" lang="en-GB" sz="2000" spc="-1" strike="noStrike">
+              <a:latin typeface="Arial"/>
+            </a:endParaRPr>
+          </a:p>
+          <a:p>
+            <a:pPr marL="216000" indent="-214560">
+              <a:lnSpc>
+                <a:spcPct val="100000"/>
+              </a:lnSpc>
+              <a:buClr>
+                <a:srgbClr val="000000"/>
+              </a:buClr>
+              <a:buSzPct val="45000"/>
+              <a:buFont typeface="Wingdings" charset="2"/>
+              <a:buChar char=""/>
+            </a:pPr>
+            <a:endParaRPr b="0" lang="en-GB" sz="2000" spc="-1" strike="noStrike">
+              <a:latin typeface="Arial"/>
+            </a:endParaRPr>
+          </a:p>
+          <a:p>
+            <a:pPr>
+              <a:lnSpc>
+                <a:spcPct val="100000"/>
+              </a:lnSpc>
+            </a:pPr>
+            <a:endParaRPr b="0" lang="en-GB" sz="2000" spc="-1" strike="noStrike">
+              <a:latin typeface="Arial"/>
+            </a:endParaRPr>
+          </a:p>
+          <a:p>
+            <a:pPr>
+              <a:lnSpc>
+                <a:spcPct val="100000"/>
+              </a:lnSpc>
+            </a:pPr>
+            <a:endParaRPr b="0" lang="en-GB" sz="2000" spc="-1" strike="noStrike">
+              <a:latin typeface="Arial"/>
+            </a:endParaRPr>
+          </a:p>
+          <a:p>
+            <a:pPr marL="216000" indent="-214560">
+              <a:lnSpc>
+                <a:spcPct val="100000"/>
+              </a:lnSpc>
+              <a:buClr>
+                <a:srgbClr val="000000"/>
+              </a:buClr>
+              <a:buSzPct val="45000"/>
+              <a:buFont typeface="Wingdings" charset="2"/>
+              <a:buChar char=""/>
+            </a:pPr>
+            <a:endParaRPr b="0" lang="en-GB" sz="2000" spc="-1" strike="noStrike">
+              <a:latin typeface="Arial"/>
+            </a:endParaRPr>
+          </a:p>
+          <a:p>
+            <a:pPr>
+              <a:lnSpc>
+                <a:spcPct val="100000"/>
+              </a:lnSpc>
+            </a:pPr>
+            <a:endParaRPr b="0" lang="en-GB" sz="2000" spc="-1" strike="noStrike">
+              <a:latin typeface="Arial"/>
+            </a:endParaRPr>
+          </a:p>
+          <a:p>
+            <a:pPr>
+              <a:lnSpc>
+                <a:spcPct val="100000"/>
+              </a:lnSpc>
+            </a:pPr>
+            <a:endParaRPr b="0" lang="en-GB" sz="2000" spc="-1" strike="noStrike">
+              <a:latin typeface="Arial"/>
+            </a:endParaRPr>
+          </a:p>
+          <a:p>
+            <a:pPr>
+              <a:lnSpc>
+                <a:spcPct val="100000"/>
+              </a:lnSpc>
+            </a:pPr>
+            <a:endParaRPr b="0" lang="en-GB" sz="2000" spc="-1" strike="noStrike">
+              <a:latin typeface="Arial"/>
+            </a:endParaRPr>
+          </a:p>
+          <a:p>
+            <a:pPr>
+              <a:lnSpc>
+                <a:spcPct val="100000"/>
+              </a:lnSpc>
+            </a:pPr>
+            <a:endParaRPr b="0" lang="en-GB" sz="2000" spc="-1" strike="noStrike">
+              <a:latin typeface="Arial"/>
+            </a:endParaRPr>
+          </a:p>
+        </p:txBody>
+      </p:sp>
+    </p:spTree>
+  </p:cSld>
+  <p:timing>
+    <p:tnLst>
+      <p:par>
+        <p:cTn id="3" dur="indefinite" restart="never" nodeType="tmRoot">
+          <p:childTnLst>
+            <p:seq>
+              <p:cTn id="4" nodeType="mainSeq"/>
+              <p:prevCondLst>
+                <p:cond delay="0" evt="onPrev">
+                  <p:tgtEl>
+                    <p:sldTgt/>
+                  </p:tgtEl>
+                </p:cond>
+              </p:prevCondLst>
+              <p:nextCondLst>
+                <p:cond delay="0" evt="onNext">
+                  <p:tgtEl>
+                    <p:sldTgt/>
+                  </p:tgtEl>
+                </p:cond>
+              </p:nextCondLst>
+            </p:seq>
+          </p:childTnLst>
+        </p:cTn>
+      </p:par>
+    </p:tnLst>
+  </p:timing>
+</p:sld>
+</file>
+
+<file path=ppt/slides/slide3.xml><?xml version="1.0" encoding="utf-8"?>
+<p:sld xmlns:a="http://schemas.openxmlformats.org/drawingml/2006/main" xmlns:p="http://schemas.openxmlformats.org/presentationml/2006/main" xmlns:r="http://schemas.openxmlformats.org/officeDocument/2006/relationships" xmlns:p14="http://schemas.microsoft.com/office/powerpoint/2010/main" xmlns:p15="http://schemas.microsoft.com/office/powerpoint/2012/main" xmlns:mc="http://schemas.openxmlformats.org/markup-compatibility/2006">
+  <p:cSld>
+    <p:spTree>
+      <p:nvGrpSpPr>
+        <p:cNvPr id="1" name=""/>
+        <p:cNvGrpSpPr/>
+        <p:nvPr/>
+      </p:nvGrpSpPr>
+      <p:grpSpPr>
+        <a:xfrm>
+          <a:off x="0" y="0"/>
+          <a:ext cx="0" cy="0"/>
+          <a:chOff x="0" y="0"/>
+          <a:chExt cx="0" cy="0"/>
+        </a:xfrm>
+      </p:grpSpPr>
+      <p:sp>
+        <p:nvSpPr>
+          <p:cNvPr id="60" name="CustomShape 1"/>
+          <p:cNvSpPr/>
+          <p:nvPr/>
+        </p:nvSpPr>
+        <p:spPr>
+          <a:xfrm>
+            <a:off x="0" y="1260000"/>
+            <a:ext cx="12190680" cy="107280"/>
+          </a:xfrm>
+          <a:custGeom>
+            <a:avLst/>
+            <a:gdLst/>
+            <a:ahLst/>
+            <a:rect l="l" t="t" r="r" b="b"/>
+            <a:pathLst>
+              <a:path w="12192000" h="108584">
+                <a:moveTo>
+                  <a:pt x="0" y="0"/>
+                </a:moveTo>
+                <a:lnTo>
+                  <a:pt x="12192000" y="0"/>
+                </a:lnTo>
+                <a:lnTo>
+                  <a:pt x="12192000" y="107999"/>
+                </a:lnTo>
+                <a:lnTo>
+                  <a:pt x="0" y="107999"/>
+                </a:lnTo>
+                <a:lnTo>
+                  <a:pt x="0" y="0"/>
+                </a:lnTo>
+                <a:close/>
+              </a:path>
+            </a:pathLst>
+          </a:custGeom>
+          <a:solidFill>
+            <a:srgbClr val="eaab00"/>
+          </a:solidFill>
+          <a:ln>
+            <a:noFill/>
+          </a:ln>
+        </p:spPr>
+        <p:style>
+          <a:lnRef idx="0"/>
+          <a:fillRef idx="0"/>
+          <a:effectRef idx="0"/>
+          <a:fontRef idx="minor"/>
+        </p:style>
+      </p:sp>
+      <p:sp>
+        <p:nvSpPr>
+          <p:cNvPr id="61" name="CustomShape 2"/>
+          <p:cNvSpPr/>
+          <p:nvPr/>
+        </p:nvSpPr>
+        <p:spPr>
+          <a:xfrm flipV="1" rot="10800000">
+            <a:off x="12250440" y="6858000"/>
+            <a:ext cx="12313080" cy="6873120"/>
+          </a:xfrm>
+          <a:prstGeom prst="rect">
+            <a:avLst/>
+          </a:prstGeom>
+          <a:blipFill>
+            <a:blip r:embed="rId1"/>
+            <a:stretch>
+              <a:fillRect/>
+            </a:stretch>
+          </a:blipFill>
+          <a:ln>
+            <a:noFill/>
+          </a:ln>
+        </p:spPr>
+        <p:style>
+          <a:lnRef idx="0"/>
+          <a:fillRef idx="0"/>
+          <a:effectRef idx="0"/>
+          <a:fontRef idx="minor"/>
+        </p:style>
+      </p:sp>
+      <p:sp>
+        <p:nvSpPr>
+          <p:cNvPr id="62" name="CustomShape 3"/>
+          <p:cNvSpPr/>
+          <p:nvPr/>
+        </p:nvSpPr>
+        <p:spPr>
+          <a:xfrm>
+            <a:off x="749880" y="316440"/>
+            <a:ext cx="4620240" cy="1045440"/>
+          </a:xfrm>
+          <a:prstGeom prst="rect">
+            <a:avLst/>
+          </a:prstGeom>
+          <a:blipFill>
+            <a:blip r:embed="rId2"/>
+            <a:stretch>
+              <a:fillRect/>
+            </a:stretch>
+          </a:blipFill>
+          <a:ln>
+            <a:noFill/>
+          </a:ln>
+        </p:spPr>
+        <p:style>
+          <a:lnRef idx="0"/>
+          <a:fillRef idx="0"/>
+          <a:effectRef idx="0"/>
+          <a:fontRef idx="minor"/>
+        </p:style>
+      </p:sp>
+      <p:pic>
+        <p:nvPicPr>
+          <p:cNvPr id="63" name="Picture 8" descr=""/>
+          <p:cNvPicPr/>
+          <p:nvPr/>
+        </p:nvPicPr>
+        <p:blipFill>
+          <a:blip r:embed="rId3"/>
+          <a:stretch/>
+        </p:blipFill>
+        <p:spPr>
+          <a:xfrm>
+            <a:off x="8407440" y="405720"/>
+            <a:ext cx="2807640" cy="942120"/>
+          </a:xfrm>
+          <a:prstGeom prst="rect">
+            <a:avLst/>
+          </a:prstGeom>
+          <a:ln>
+            <a:noFill/>
+          </a:ln>
+        </p:spPr>
+      </p:pic>
+      <p:sp>
+        <p:nvSpPr>
+          <p:cNvPr id="64" name="CustomShape 4"/>
+          <p:cNvSpPr/>
+          <p:nvPr/>
+        </p:nvSpPr>
+        <p:spPr>
+          <a:xfrm>
+            <a:off x="-144000" y="1529280"/>
+            <a:ext cx="8640000" cy="485640"/>
+          </a:xfrm>
+          <a:prstGeom prst="rect">
+            <a:avLst/>
+          </a:prstGeom>
+          <a:noFill/>
+          <a:ln>
+            <a:noFill/>
+          </a:ln>
+        </p:spPr>
+        <p:style>
+          <a:lnRef idx="0"/>
+          <a:fillRef idx="0"/>
+          <a:effectRef idx="0"/>
+          <a:fontRef idx="minor"/>
+        </p:style>
+        <p:txBody>
+          <a:bodyPr lIns="90000" rIns="90000" tIns="45000" bIns="45000"/>
+          <a:p>
+            <a:pPr algn="ctr">
+              <a:lnSpc>
+                <a:spcPct val="100000"/>
+              </a:lnSpc>
+            </a:pPr>
+            <a:r>
+              <a:rPr b="0" lang="en-GB" sz="2800" spc="-1" strike="noStrike">
+                <a:solidFill>
+                  <a:srgbClr val="000000"/>
+                </a:solidFill>
+                <a:latin typeface="Arial"/>
+                <a:ea typeface="DejaVu Sans"/>
+              </a:rPr>
+              <a:t>Integrating road network data preprocessing</a:t>
+            </a:r>
+            <a:endParaRPr b="0" lang="en-GB" sz="2800" spc="-1" strike="noStrike">
+              <a:latin typeface="Arial"/>
+            </a:endParaRPr>
+          </a:p>
+        </p:txBody>
+      </p:sp>
+      <p:sp>
+        <p:nvSpPr>
+          <p:cNvPr id="65" name="CustomShape 5"/>
+          <p:cNvSpPr/>
+          <p:nvPr/>
+        </p:nvSpPr>
+        <p:spPr>
+          <a:xfrm>
+            <a:off x="413280" y="2179080"/>
+            <a:ext cx="11250720" cy="1564200"/>
+          </a:xfrm>
+          <a:prstGeom prst="rect">
+            <a:avLst/>
+          </a:prstGeom>
+          <a:noFill/>
+          <a:ln>
+            <a:noFill/>
+          </a:ln>
+        </p:spPr>
+        <p:style>
+          <a:lnRef idx="0"/>
+          <a:fillRef idx="0"/>
+          <a:effectRef idx="0"/>
+          <a:fontRef idx="minor"/>
+        </p:style>
+        <p:txBody>
+          <a:bodyPr lIns="90000" rIns="90000" tIns="45000" bIns="45000"/>
+          <a:p>
+            <a:endParaRPr b="0" lang="en-GB" sz="1800" spc="-1" strike="noStrike">
+              <a:latin typeface="Arial"/>
+            </a:endParaRPr>
+          </a:p>
+          <a:p>
+            <a:pPr marL="216000" indent="-214560">
+              <a:lnSpc>
+                <a:spcPct val="100000"/>
+              </a:lnSpc>
+              <a:buClr>
+                <a:srgbClr val="000000"/>
+              </a:buClr>
+              <a:buSzPct val="45000"/>
+              <a:buFont typeface="Wingdings" charset="2"/>
+              <a:buChar char=""/>
+            </a:pPr>
+            <a:r>
+              <a:rPr b="0" lang="en-GB" sz="2000" spc="-1" strike="noStrike">
+                <a:solidFill>
+                  <a:srgbClr val="000000"/>
+                </a:solidFill>
+                <a:latin typeface="Arial"/>
+                <a:ea typeface="DejaVu Sans"/>
+              </a:rPr>
+              <a:t>Running workflow with the </a:t>
+            </a:r>
+            <a:r>
+              <a:rPr b="0" i="1" lang="en-GB" sz="2000" spc="-1" strike="noStrike">
+                <a:solidFill>
+                  <a:srgbClr val="000000"/>
+                </a:solidFill>
+                <a:latin typeface="Arial"/>
+                <a:ea typeface="DejaVu Sans"/>
+              </a:rPr>
+              <a:t>spatialdata</a:t>
+            </a:r>
+            <a:r>
+              <a:rPr b="0" lang="en-GB" sz="2000" spc="-1" strike="noStrike">
+                <a:solidFill>
+                  <a:srgbClr val="000000"/>
+                </a:solidFill>
+                <a:latin typeface="Arial"/>
+                <a:ea typeface="DejaVu Sans"/>
+              </a:rPr>
+              <a:t> model (using scala-sbt docker)</a:t>
+            </a:r>
+            <a:endParaRPr b="0" lang="en-GB" sz="2000" spc="-1" strike="noStrike">
+              <a:latin typeface="Arial"/>
+            </a:endParaRPr>
+          </a:p>
+          <a:p>
+            <a:pPr marL="216000" indent="-214560">
+              <a:lnSpc>
+                <a:spcPct val="100000"/>
+              </a:lnSpc>
+              <a:buClr>
+                <a:srgbClr val="000000"/>
+              </a:buClr>
+              <a:buSzPct val="45000"/>
+              <a:buFont typeface="Wingdings" charset="2"/>
+              <a:buChar char=""/>
+            </a:pPr>
+            <a:endParaRPr b="0" lang="en-GB" sz="2000" spc="-1" strike="noStrike">
+              <a:latin typeface="Arial"/>
+            </a:endParaRPr>
+          </a:p>
+          <a:p>
+            <a:pPr marL="216000" indent="-214560">
+              <a:lnSpc>
+                <a:spcPct val="100000"/>
+              </a:lnSpc>
+              <a:buClr>
+                <a:srgbClr val="000000"/>
+              </a:buClr>
+              <a:buSzPct val="45000"/>
+              <a:buFont typeface="Wingdings" charset="2"/>
+              <a:buChar char=""/>
+            </a:pPr>
+            <a:r>
+              <a:rPr b="0" lang="en-GB" sz="2000" spc="-1" strike="noStrike">
+                <a:solidFill>
+                  <a:srgbClr val="000000"/>
+                </a:solidFill>
+                <a:latin typeface="Arial"/>
+                <a:ea typeface="DejaVu Sans"/>
+              </a:rPr>
+              <a:t>Converts road network shapefiles into Matsim xml network file (runs on a test sample)</a:t>
+            </a:r>
+            <a:endParaRPr b="0" lang="en-GB" sz="2000" spc="-1" strike="noStrike">
+              <a:latin typeface="Arial"/>
+            </a:endParaRPr>
+          </a:p>
+          <a:p>
+            <a:pPr marL="216000" indent="-214560">
+              <a:lnSpc>
+                <a:spcPct val="100000"/>
+              </a:lnSpc>
+              <a:buClr>
+                <a:srgbClr val="000000"/>
+              </a:buClr>
+              <a:buSzPct val="45000"/>
+              <a:buFont typeface="Wingdings" charset="2"/>
+              <a:buChar char=""/>
+            </a:pPr>
+            <a:endParaRPr b="0" lang="en-GB" sz="2000" spc="-1" strike="noStrike">
+              <a:latin typeface="Arial"/>
+            </a:endParaRPr>
+          </a:p>
+          <a:p>
+            <a:pPr marL="216000" indent="-214560">
+              <a:lnSpc>
+                <a:spcPct val="100000"/>
+              </a:lnSpc>
+              <a:buClr>
+                <a:srgbClr val="000000"/>
+              </a:buClr>
+              <a:buSzPct val="45000"/>
+              <a:buFont typeface="Wingdings" charset="2"/>
+              <a:buChar char=""/>
+            </a:pPr>
+            <a:r>
+              <a:rPr b="0" lang="en-GB" sz="2000" spc="-1" strike="noStrike">
+                <a:solidFill>
+                  <a:srgbClr val="000000"/>
+                </a:solidFill>
+                <a:latin typeface="Arial"/>
+                <a:ea typeface="DejaVu Sans"/>
+              </a:rPr>
+              <a:t>Next steps:</a:t>
+            </a:r>
+            <a:endParaRPr b="0" lang="en-GB" sz="2000" spc="-1" strike="noStrike">
+              <a:latin typeface="Arial"/>
+            </a:endParaRPr>
+          </a:p>
+          <a:p>
+            <a:pPr marL="216000" indent="-214560">
+              <a:lnSpc>
+                <a:spcPct val="100000"/>
+              </a:lnSpc>
+              <a:buClr>
+                <a:srgbClr val="000000"/>
+              </a:buClr>
+              <a:buSzPct val="45000"/>
+              <a:buFont typeface="Wingdings" charset="2"/>
+              <a:buChar char=""/>
+            </a:pPr>
+            <a:endParaRPr b="0" lang="en-GB" sz="2000" spc="-1" strike="noStrike">
+              <a:latin typeface="Arial"/>
+            </a:endParaRPr>
+          </a:p>
+          <a:p>
+            <a:pPr lvl="1" marL="432000" indent="-216000">
+              <a:lnSpc>
+                <a:spcPct val="100000"/>
+              </a:lnSpc>
+              <a:buClr>
+                <a:srgbClr val="000000"/>
+              </a:buClr>
+              <a:buSzPct val="45000"/>
+              <a:buFont typeface="Wingdings" charset="2"/>
+              <a:buChar char=""/>
+            </a:pPr>
+            <a:r>
+              <a:rPr b="0" lang="en-GB" sz="2000" spc="-1" strike="noStrike">
+                <a:solidFill>
+                  <a:srgbClr val="000000"/>
+                </a:solidFill>
+                <a:latin typeface="Arial"/>
+                <a:ea typeface="DejaVu Sans"/>
+              </a:rPr>
+              <a:t>- plug with the Ordnance Survey dataset within DAFNI</a:t>
+            </a:r>
+            <a:endParaRPr b="0" lang="en-GB" sz="2000" spc="-1" strike="noStrike">
+              <a:latin typeface="Arial"/>
+            </a:endParaRPr>
+          </a:p>
+          <a:p>
+            <a:pPr lvl="1" marL="432000" indent="-216000">
+              <a:lnSpc>
+                <a:spcPct val="100000"/>
+              </a:lnSpc>
+              <a:buClr>
+                <a:srgbClr val="000000"/>
+              </a:buClr>
+              <a:buSzPct val="45000"/>
+              <a:buFont typeface="Wingdings" charset="2"/>
+              <a:buChar char=""/>
+            </a:pPr>
+            <a:endParaRPr b="0" lang="en-GB" sz="2000" spc="-1" strike="noStrike">
+              <a:latin typeface="Arial"/>
+            </a:endParaRPr>
+          </a:p>
+          <a:p>
+            <a:pPr lvl="1" marL="432000" indent="-216000">
+              <a:lnSpc>
+                <a:spcPct val="100000"/>
+              </a:lnSpc>
+              <a:buClr>
+                <a:srgbClr val="000000"/>
+              </a:buClr>
+              <a:buSzPct val="45000"/>
+              <a:buFont typeface="Wingdings" charset="2"/>
+              <a:buChar char=""/>
+            </a:pPr>
+            <a:r>
+              <a:rPr b="0" lang="en-GB" sz="2000" spc="-1" strike="noStrike">
+                <a:solidFill>
+                  <a:srgbClr val="000000"/>
+                </a:solidFill>
+                <a:latin typeface="Arial"/>
+                <a:ea typeface="DejaVu Sans"/>
+              </a:rPr>
+              <a:t>- implement multi-modal network (which data source?)</a:t>
+            </a:r>
+            <a:endParaRPr b="0" lang="en-GB" sz="2000" spc="-1" strike="noStrike">
+              <a:latin typeface="Arial"/>
+            </a:endParaRPr>
+          </a:p>
+          <a:p>
+            <a:pPr>
+              <a:lnSpc>
+                <a:spcPct val="100000"/>
+              </a:lnSpc>
+            </a:pPr>
+            <a:endParaRPr b="0" lang="en-GB" sz="2000" spc="-1" strike="noStrike">
+              <a:latin typeface="Arial"/>
+            </a:endParaRPr>
+          </a:p>
+          <a:p>
+            <a:pPr marL="216000" indent="-214560">
+              <a:lnSpc>
+                <a:spcPct val="100000"/>
+              </a:lnSpc>
+              <a:buClr>
+                <a:srgbClr val="000000"/>
+              </a:buClr>
+              <a:buSzPct val="45000"/>
+              <a:buFont typeface="Wingdings" charset="2"/>
+              <a:buChar char=""/>
+            </a:pPr>
+            <a:endParaRPr b="0" lang="en-GB" sz="2000" spc="-1" strike="noStrike">
+              <a:latin typeface="Arial"/>
+            </a:endParaRPr>
+          </a:p>
+          <a:p>
+            <a:pPr>
+              <a:lnSpc>
+                <a:spcPct val="100000"/>
+              </a:lnSpc>
+            </a:pPr>
+            <a:endParaRPr b="0" lang="en-GB" sz="2000" spc="-1" strike="noStrike">
+              <a:latin typeface="Arial"/>
+            </a:endParaRPr>
+          </a:p>
+          <a:p>
+            <a:pPr>
+              <a:lnSpc>
+                <a:spcPct val="100000"/>
+              </a:lnSpc>
+            </a:pPr>
+            <a:endParaRPr b="0" lang="en-GB" sz="2000" spc="-1" strike="noStrike">
+              <a:latin typeface="Arial"/>
+            </a:endParaRPr>
+          </a:p>
+          <a:p>
+            <a:pPr marL="216000" indent="-214560">
+              <a:lnSpc>
+                <a:spcPct val="100000"/>
+              </a:lnSpc>
+              <a:buClr>
+                <a:srgbClr val="000000"/>
+              </a:buClr>
+              <a:buSzPct val="45000"/>
+              <a:buFont typeface="Wingdings" charset="2"/>
+              <a:buChar char=""/>
+            </a:pPr>
+            <a:endParaRPr b="0" lang="en-GB" sz="2000" spc="-1" strike="noStrike">
+              <a:latin typeface="Arial"/>
+            </a:endParaRPr>
+          </a:p>
+          <a:p>
+            <a:pPr>
+              <a:lnSpc>
+                <a:spcPct val="100000"/>
+              </a:lnSpc>
+            </a:pPr>
+            <a:endParaRPr b="0" lang="en-GB" sz="2000" spc="-1" strike="noStrike">
+              <a:latin typeface="Arial"/>
+            </a:endParaRPr>
+          </a:p>
+          <a:p>
+            <a:pPr>
+              <a:lnSpc>
+                <a:spcPct val="100000"/>
+              </a:lnSpc>
+            </a:pPr>
+            <a:endParaRPr b="0" lang="en-GB" sz="2000" spc="-1" strike="noStrike">
+              <a:latin typeface="Arial"/>
+            </a:endParaRPr>
+          </a:p>
+          <a:p>
+            <a:pPr>
+              <a:lnSpc>
+                <a:spcPct val="100000"/>
+              </a:lnSpc>
+            </a:pPr>
+            <a:endParaRPr b="0" lang="en-GB" sz="2000" spc="-1" strike="noStrike">
+              <a:latin typeface="Arial"/>
+            </a:endParaRPr>
+          </a:p>
+          <a:p>
+            <a:pPr>
+              <a:lnSpc>
+                <a:spcPct val="100000"/>
+              </a:lnSpc>
+            </a:pPr>
+            <a:endParaRPr b="0" lang="en-GB" sz="2000" spc="-1" strike="noStrike">
+              <a:latin typeface="Arial"/>
+            </a:endParaRPr>
+          </a:p>
+        </p:txBody>
+      </p:sp>
+    </p:spTree>
+  </p:cSld>
+  <p:timing>
+    <p:tnLst>
+      <p:par>
+        <p:cTn id="5" dur="indefinite" restart="never" nodeType="tmRoot">
+          <p:childTnLst>
+            <p:seq>
+              <p:cTn id="6" nodeType="mainSeq"/>
+              <p:prevCondLst>
+                <p:cond delay="0" evt="onPrev">
+                  <p:tgtEl>
+                    <p:sldTgt/>
+                  </p:tgtEl>
+                </p:cond>
+              </p:prevCondLst>
+              <p:nextCondLst>
+                <p:cond delay="0" evt="onNext">
+                  <p:tgtEl>
+                    <p:sldTgt/>
+                  </p:tgtEl>
+                </p:cond>
+              </p:nextCondLst>
+            </p:seq>
+          </p:childTnLst>
+        </p:cTn>
+      </p:par>
+    </p:tnLst>
+  </p:timing>
+</p:sld>
+</file>
+
+<file path=ppt/slides/slide4.xml><?xml version="1.0" encoding="utf-8"?>
+<p:sld xmlns:a="http://schemas.openxmlformats.org/drawingml/2006/main" xmlns:p="http://schemas.openxmlformats.org/presentationml/2006/main" xmlns:r="http://schemas.openxmlformats.org/officeDocument/2006/relationships" xmlns:p14="http://schemas.microsoft.com/office/powerpoint/2010/main" xmlns:p15="http://schemas.microsoft.com/office/powerpoint/2012/main" xmlns:mc="http://schemas.openxmlformats.org/markup-compatibility/2006">
+  <p:cSld>
+    <p:spTree>
+      <p:nvGrpSpPr>
+        <p:cNvPr id="1" name=""/>
+        <p:cNvGrpSpPr/>
+        <p:nvPr/>
+      </p:nvGrpSpPr>
+      <p:grpSpPr>
+        <a:xfrm>
+          <a:off x="0" y="0"/>
+          <a:ext cx="0" cy="0"/>
+          <a:chOff x="0" y="0"/>
+          <a:chExt cx="0" cy="0"/>
+        </a:xfrm>
+      </p:grpSpPr>
+      <p:sp>
+        <p:nvSpPr>
+          <p:cNvPr id="66" name="CustomShape 1"/>
+          <p:cNvSpPr/>
+          <p:nvPr/>
+        </p:nvSpPr>
+        <p:spPr>
+          <a:xfrm>
+            <a:off x="0" y="1260000"/>
+            <a:ext cx="12190680" cy="107280"/>
+          </a:xfrm>
+          <a:custGeom>
+            <a:avLst/>
+            <a:gdLst/>
+            <a:ahLst/>
+            <a:rect l="l" t="t" r="r" b="b"/>
+            <a:pathLst>
+              <a:path w="12192000" h="108584">
+                <a:moveTo>
+                  <a:pt x="0" y="0"/>
+                </a:moveTo>
+                <a:lnTo>
+                  <a:pt x="12192000" y="0"/>
+                </a:lnTo>
+                <a:lnTo>
+                  <a:pt x="12192000" y="107999"/>
+                </a:lnTo>
+                <a:lnTo>
+                  <a:pt x="0" y="107999"/>
+                </a:lnTo>
+                <a:lnTo>
+                  <a:pt x="0" y="0"/>
+                </a:lnTo>
+                <a:close/>
+              </a:path>
+            </a:pathLst>
+          </a:custGeom>
+          <a:solidFill>
+            <a:srgbClr val="eaab00"/>
+          </a:solidFill>
+          <a:ln>
+            <a:noFill/>
+          </a:ln>
+        </p:spPr>
+        <p:style>
+          <a:lnRef idx="0"/>
+          <a:fillRef idx="0"/>
+          <a:effectRef idx="0"/>
+          <a:fontRef idx="minor"/>
+        </p:style>
+      </p:sp>
+      <p:sp>
+        <p:nvSpPr>
+          <p:cNvPr id="67" name="CustomShape 2"/>
+          <p:cNvSpPr/>
+          <p:nvPr/>
+        </p:nvSpPr>
+        <p:spPr>
+          <a:xfrm flipV="1" rot="10800000">
+            <a:off x="12250440" y="6858000"/>
+            <a:ext cx="12313080" cy="6873120"/>
+          </a:xfrm>
+          <a:prstGeom prst="rect">
+            <a:avLst/>
+          </a:prstGeom>
+          <a:blipFill>
+            <a:blip r:embed="rId1"/>
+            <a:stretch>
+              <a:fillRect/>
+            </a:stretch>
+          </a:blipFill>
+          <a:ln>
+            <a:noFill/>
+          </a:ln>
+        </p:spPr>
+        <p:style>
+          <a:lnRef idx="0"/>
+          <a:fillRef idx="0"/>
+          <a:effectRef idx="0"/>
+          <a:fontRef idx="minor"/>
+        </p:style>
+      </p:sp>
+      <p:sp>
+        <p:nvSpPr>
+          <p:cNvPr id="68" name="CustomShape 3"/>
+          <p:cNvSpPr/>
+          <p:nvPr/>
+        </p:nvSpPr>
+        <p:spPr>
+          <a:xfrm>
+            <a:off x="749880" y="316440"/>
+            <a:ext cx="4620240" cy="1045440"/>
+          </a:xfrm>
+          <a:prstGeom prst="rect">
+            <a:avLst/>
+          </a:prstGeom>
+          <a:blipFill>
+            <a:blip r:embed="rId2"/>
+            <a:stretch>
+              <a:fillRect/>
+            </a:stretch>
+          </a:blipFill>
+          <a:ln>
+            <a:noFill/>
+          </a:ln>
+        </p:spPr>
+        <p:style>
+          <a:lnRef idx="0"/>
+          <a:fillRef idx="0"/>
+          <a:effectRef idx="0"/>
+          <a:fontRef idx="minor"/>
+        </p:style>
+      </p:sp>
+      <p:pic>
+        <p:nvPicPr>
+          <p:cNvPr id="69" name="Picture 8" descr=""/>
+          <p:cNvPicPr/>
+          <p:nvPr/>
+        </p:nvPicPr>
+        <p:blipFill>
+          <a:blip r:embed="rId3"/>
+          <a:stretch/>
+        </p:blipFill>
+        <p:spPr>
+          <a:xfrm>
+            <a:off x="8407440" y="405720"/>
+            <a:ext cx="2807640" cy="942120"/>
+          </a:xfrm>
+          <a:prstGeom prst="rect">
+            <a:avLst/>
+          </a:prstGeom>
+          <a:ln>
+            <a:noFill/>
+          </a:ln>
+        </p:spPr>
+      </p:pic>
+      <p:sp>
+        <p:nvSpPr>
+          <p:cNvPr id="70" name="CustomShape 4"/>
+          <p:cNvSpPr/>
+          <p:nvPr/>
+        </p:nvSpPr>
+        <p:spPr>
+          <a:xfrm>
+            <a:off x="0" y="1530360"/>
+            <a:ext cx="2088000" cy="485640"/>
+          </a:xfrm>
+          <a:prstGeom prst="rect">
+            <a:avLst/>
+          </a:prstGeom>
+          <a:noFill/>
+          <a:ln>
+            <a:noFill/>
+          </a:ln>
+        </p:spPr>
+        <p:style>
+          <a:lnRef idx="0"/>
+          <a:fillRef idx="0"/>
+          <a:effectRef idx="0"/>
+          <a:fontRef idx="minor"/>
+        </p:style>
+        <p:txBody>
+          <a:bodyPr lIns="90000" rIns="90000" tIns="45000" bIns="45000"/>
+          <a:p>
+            <a:pPr algn="ctr">
+              <a:lnSpc>
+                <a:spcPct val="100000"/>
+              </a:lnSpc>
+            </a:pPr>
+            <a:r>
+              <a:rPr b="0" lang="en-GB" sz="2800" spc="-1" strike="noStrike">
+                <a:solidFill>
+                  <a:srgbClr val="000000"/>
+                </a:solidFill>
+                <a:latin typeface="Arial"/>
+                <a:ea typeface="DejaVu Sans"/>
+              </a:rPr>
+              <a:t>Issues</a:t>
+            </a:r>
+            <a:endParaRPr b="0" lang="en-GB" sz="2800" spc="-1" strike="noStrike">
+              <a:latin typeface="Arial"/>
+            </a:endParaRPr>
+          </a:p>
+        </p:txBody>
+      </p:sp>
+      <p:sp>
+        <p:nvSpPr>
+          <p:cNvPr id="71" name="CustomShape 5"/>
+          <p:cNvSpPr/>
+          <p:nvPr/>
+        </p:nvSpPr>
+        <p:spPr>
+          <a:xfrm>
+            <a:off x="413280" y="1872000"/>
+            <a:ext cx="5418720" cy="1296000"/>
+          </a:xfrm>
+          <a:prstGeom prst="rect">
+            <a:avLst/>
+          </a:prstGeom>
+          <a:noFill/>
+          <a:ln>
+            <a:noFill/>
+          </a:ln>
+        </p:spPr>
+        <p:style>
+          <a:lnRef idx="0"/>
+          <a:fillRef idx="0"/>
+          <a:effectRef idx="0"/>
+          <a:fontRef idx="minor"/>
+        </p:style>
+        <p:txBody>
+          <a:bodyPr lIns="90000" rIns="90000" tIns="45000" bIns="45000"/>
+          <a:p>
+            <a:endParaRPr b="0" lang="en-GB" sz="1800" spc="-1" strike="noStrike">
+              <a:latin typeface="Arial"/>
+            </a:endParaRPr>
+          </a:p>
+          <a:p>
+            <a:pPr marL="216000" indent="-214560">
+              <a:lnSpc>
+                <a:spcPct val="100000"/>
+              </a:lnSpc>
+              <a:buClr>
+                <a:srgbClr val="000000"/>
+              </a:buClr>
+              <a:buSzPct val="45000"/>
+              <a:buFont typeface="Wingdings" charset="2"/>
+              <a:buChar char=""/>
+            </a:pPr>
+            <a:r>
+              <a:rPr b="0" lang="en-GB" sz="2000" spc="-1" strike="noStrike">
+                <a:solidFill>
+                  <a:srgbClr val="000000"/>
+                </a:solidFill>
+                <a:latin typeface="Arial"/>
+                <a:ea typeface="DejaVu Sans"/>
+              </a:rPr>
+              <a:t>Bug subdirectory output data</a:t>
+            </a:r>
+            <a:endParaRPr b="0" lang="en-GB" sz="2000" spc="-1" strike="noStrike">
+              <a:latin typeface="Arial"/>
+            </a:endParaRPr>
+          </a:p>
+          <a:p>
+            <a:pPr marL="216000" indent="-214560">
+              <a:lnSpc>
+                <a:spcPct val="100000"/>
+              </a:lnSpc>
+              <a:buClr>
+                <a:srgbClr val="000000"/>
+              </a:buClr>
+              <a:buSzPct val="45000"/>
+              <a:buFont typeface="Wingdings" charset="2"/>
+              <a:buChar char=""/>
+            </a:pPr>
+            <a:r>
+              <a:rPr b="0" lang="en-GB" sz="2000" spc="-1" strike="noStrike">
+                <a:solidFill>
+                  <a:srgbClr val="000000"/>
+                </a:solidFill>
+                <a:latin typeface="Arial"/>
+                <a:ea typeface="DejaVu Sans"/>
+              </a:rPr>
+              <a:t>Example models notebooks persistence</a:t>
+            </a:r>
+            <a:endParaRPr b="0" lang="en-GB" sz="2000" spc="-1" strike="noStrike">
+              <a:latin typeface="Arial"/>
+            </a:endParaRPr>
+          </a:p>
+          <a:p>
+            <a:pPr marL="216000" indent="-214560">
+              <a:lnSpc>
+                <a:spcPct val="100000"/>
+              </a:lnSpc>
+              <a:buClr>
+                <a:srgbClr val="000000"/>
+              </a:buClr>
+              <a:buSzPct val="45000"/>
+              <a:buFont typeface="Wingdings" charset="2"/>
+              <a:buChar char=""/>
+            </a:pPr>
+            <a:endParaRPr b="0" lang="en-GB" sz="2000" spc="-1" strike="noStrike">
+              <a:latin typeface="Arial"/>
+            </a:endParaRPr>
+          </a:p>
+          <a:p>
+            <a:pPr>
+              <a:lnSpc>
+                <a:spcPct val="100000"/>
+              </a:lnSpc>
+            </a:pPr>
+            <a:endParaRPr b="0" lang="en-GB" sz="2000" spc="-1" strike="noStrike">
+              <a:latin typeface="Arial"/>
+            </a:endParaRPr>
+          </a:p>
+          <a:p>
+            <a:pPr marL="216000" indent="-214560">
+              <a:lnSpc>
+                <a:spcPct val="100000"/>
+              </a:lnSpc>
+              <a:buClr>
+                <a:srgbClr val="000000"/>
+              </a:buClr>
+              <a:buSzPct val="45000"/>
+              <a:buFont typeface="Wingdings" charset="2"/>
+              <a:buChar char=""/>
+            </a:pPr>
+            <a:endParaRPr b="0" lang="en-GB" sz="2000" spc="-1" strike="noStrike">
+              <a:latin typeface="Arial"/>
+            </a:endParaRPr>
+          </a:p>
+          <a:p>
+            <a:pPr>
+              <a:lnSpc>
+                <a:spcPct val="100000"/>
+              </a:lnSpc>
+            </a:pPr>
+            <a:endParaRPr b="0" lang="en-GB" sz="2000" spc="-1" strike="noStrike">
+              <a:latin typeface="Arial"/>
+            </a:endParaRPr>
+          </a:p>
+          <a:p>
+            <a:pPr>
+              <a:lnSpc>
+                <a:spcPct val="100000"/>
+              </a:lnSpc>
+            </a:pPr>
+            <a:endParaRPr b="0" lang="en-GB" sz="2000" spc="-1" strike="noStrike">
+              <a:latin typeface="Arial"/>
+            </a:endParaRPr>
+          </a:p>
+          <a:p>
+            <a:pPr marL="216000" indent="-214560">
+              <a:lnSpc>
+                <a:spcPct val="100000"/>
+              </a:lnSpc>
+              <a:buClr>
+                <a:srgbClr val="000000"/>
+              </a:buClr>
+              <a:buSzPct val="45000"/>
+              <a:buFont typeface="Wingdings" charset="2"/>
+              <a:buChar char=""/>
+            </a:pPr>
+            <a:endParaRPr b="0" lang="en-GB" sz="2000" spc="-1" strike="noStrike">
+              <a:latin typeface="Arial"/>
+            </a:endParaRPr>
+          </a:p>
+          <a:p>
+            <a:pPr>
+              <a:lnSpc>
+                <a:spcPct val="100000"/>
+              </a:lnSpc>
+            </a:pPr>
+            <a:endParaRPr b="0" lang="en-GB" sz="2000" spc="-1" strike="noStrike">
+              <a:latin typeface="Arial"/>
+            </a:endParaRPr>
+          </a:p>
+          <a:p>
+            <a:pPr>
+              <a:lnSpc>
+                <a:spcPct val="100000"/>
+              </a:lnSpc>
+            </a:pPr>
+            <a:endParaRPr b="0" lang="en-GB" sz="2000" spc="-1" strike="noStrike">
+              <a:latin typeface="Arial"/>
+            </a:endParaRPr>
+          </a:p>
+          <a:p>
+            <a:pPr>
+              <a:lnSpc>
+                <a:spcPct val="100000"/>
+              </a:lnSpc>
+            </a:pPr>
+            <a:endParaRPr b="0" lang="en-GB" sz="2000" spc="-1" strike="noStrike">
+              <a:latin typeface="Arial"/>
+            </a:endParaRPr>
+          </a:p>
+          <a:p>
+            <a:pPr>
+              <a:lnSpc>
+                <a:spcPct val="100000"/>
+              </a:lnSpc>
+            </a:pPr>
+            <a:endParaRPr b="0" lang="en-GB" sz="2000" spc="-1" strike="noStrike">
+              <a:latin typeface="Arial"/>
+            </a:endParaRPr>
+          </a:p>
+        </p:txBody>
+      </p:sp>
+      <p:sp>
+        <p:nvSpPr>
+          <p:cNvPr id="72" name="CustomShape 6"/>
+          <p:cNvSpPr/>
+          <p:nvPr/>
+        </p:nvSpPr>
+        <p:spPr>
+          <a:xfrm>
+            <a:off x="72000" y="3402360"/>
+            <a:ext cx="2736000" cy="485640"/>
+          </a:xfrm>
+          <a:prstGeom prst="rect">
+            <a:avLst/>
+          </a:prstGeom>
+          <a:noFill/>
+          <a:ln>
+            <a:noFill/>
+          </a:ln>
+        </p:spPr>
+        <p:style>
+          <a:lnRef idx="0"/>
+          <a:fillRef idx="0"/>
+          <a:effectRef idx="0"/>
+          <a:fontRef idx="minor"/>
+        </p:style>
+        <p:txBody>
+          <a:bodyPr lIns="90000" rIns="90000" tIns="45000" bIns="45000"/>
+          <a:p>
+            <a:pPr algn="ctr">
+              <a:lnSpc>
+                <a:spcPct val="100000"/>
+              </a:lnSpc>
+            </a:pPr>
+            <a:r>
+              <a:rPr b="0" lang="en-GB" sz="2800" spc="-1" strike="noStrike">
+                <a:solidFill>
+                  <a:srgbClr val="000000"/>
+                </a:solidFill>
+                <a:latin typeface="Arial"/>
+                <a:ea typeface="DejaVu Sans"/>
+              </a:rPr>
+              <a:t>Suggestions</a:t>
+            </a:r>
+            <a:endParaRPr b="0" lang="en-GB" sz="2800" spc="-1" strike="noStrike">
+              <a:latin typeface="Arial"/>
+            </a:endParaRPr>
+          </a:p>
+        </p:txBody>
+      </p:sp>
+      <p:sp>
+        <p:nvSpPr>
+          <p:cNvPr id="73" name="CustomShape 7"/>
+          <p:cNvSpPr/>
+          <p:nvPr/>
+        </p:nvSpPr>
+        <p:spPr>
+          <a:xfrm>
+            <a:off x="413280" y="3672000"/>
+            <a:ext cx="8586720" cy="1296000"/>
+          </a:xfrm>
+          <a:prstGeom prst="rect">
+            <a:avLst/>
+          </a:prstGeom>
+          <a:noFill/>
+          <a:ln>
+            <a:noFill/>
+          </a:ln>
+        </p:spPr>
+        <p:style>
+          <a:lnRef idx="0"/>
+          <a:fillRef idx="0"/>
+          <a:effectRef idx="0"/>
+          <a:fontRef idx="minor"/>
+        </p:style>
+        <p:txBody>
+          <a:bodyPr lIns="90000" rIns="90000" tIns="45000" bIns="45000"/>
+          <a:p>
+            <a:endParaRPr b="0" lang="en-GB" sz="1800" spc="-1" strike="noStrike">
+              <a:latin typeface="Arial"/>
+            </a:endParaRPr>
+          </a:p>
+          <a:p>
+            <a:pPr marL="216000" indent="-214560">
+              <a:lnSpc>
+                <a:spcPct val="100000"/>
+              </a:lnSpc>
+              <a:buClr>
+                <a:srgbClr val="000000"/>
+              </a:buClr>
+              <a:buSzPct val="45000"/>
+              <a:buFont typeface="Wingdings" charset="2"/>
+              <a:buChar char=""/>
+            </a:pPr>
+            <a:r>
+              <a:rPr b="0" lang="en-GB" sz="2000" spc="-1" strike="noStrike">
+                <a:solidFill>
+                  <a:srgbClr val="000000"/>
+                </a:solidFill>
+                <a:latin typeface="Arial"/>
+                <a:ea typeface="DejaVu Sans"/>
+              </a:rPr>
+              <a:t>More complex workflows (parallel tasks)</a:t>
+            </a:r>
+            <a:endParaRPr b="0" lang="en-GB" sz="2000" spc="-1" strike="noStrike">
+              <a:latin typeface="Arial"/>
+            </a:endParaRPr>
+          </a:p>
+          <a:p>
+            <a:pPr marL="216000" indent="-214560">
+              <a:lnSpc>
+                <a:spcPct val="100000"/>
+              </a:lnSpc>
+              <a:buClr>
+                <a:srgbClr val="000000"/>
+              </a:buClr>
+              <a:buSzPct val="45000"/>
+              <a:buFont typeface="Wingdings" charset="2"/>
+              <a:buChar char=""/>
+            </a:pPr>
+            <a:r>
+              <a:rPr b="0" lang="en-GB" sz="2000" spc="-1" strike="noStrike">
+                <a:solidFill>
+                  <a:srgbClr val="000000"/>
+                </a:solidFill>
+                <a:latin typeface="Arial"/>
+                <a:ea typeface="DejaVu Sans"/>
+              </a:rPr>
+              <a:t>Docker </a:t>
+            </a:r>
+            <a:r>
+              <a:rPr b="0" i="1" lang="en-GB" sz="2000" spc="-1" strike="noStrike">
+                <a:solidFill>
+                  <a:srgbClr val="000000"/>
+                </a:solidFill>
+                <a:latin typeface="Arial"/>
+                <a:ea typeface="DejaVu Sans"/>
+              </a:rPr>
+              <a:t>exec</a:t>
+            </a:r>
+            <a:r>
+              <a:rPr b="0" lang="en-GB" sz="2000" spc="-1" strike="noStrike">
+                <a:solidFill>
+                  <a:srgbClr val="000000"/>
+                </a:solidFill>
+                <a:latin typeface="Arial"/>
+                <a:ea typeface="DejaVu Sans"/>
+              </a:rPr>
+              <a:t> command in containers</a:t>
+            </a:r>
+            <a:endParaRPr b="0" lang="en-GB" sz="2000" spc="-1" strike="noStrike">
+              <a:latin typeface="Arial"/>
+            </a:endParaRPr>
+          </a:p>
+          <a:p>
+            <a:pPr marL="216000" indent="-214560">
+              <a:lnSpc>
+                <a:spcPct val="100000"/>
+              </a:lnSpc>
+              <a:buClr>
+                <a:srgbClr val="000000"/>
+              </a:buClr>
+              <a:buSzPct val="45000"/>
+              <a:buFont typeface="Wingdings" charset="2"/>
+              <a:buChar char=""/>
+            </a:pPr>
+            <a:r>
+              <a:rPr b="0" lang="en-GB" sz="2000" spc="-1" strike="noStrike">
+                <a:solidFill>
+                  <a:srgbClr val="000000"/>
+                </a:solidFill>
+                <a:latin typeface="Arial"/>
+                <a:ea typeface="DejaVu Sans"/>
+              </a:rPr>
+              <a:t>More info on running status</a:t>
+            </a:r>
+            <a:endParaRPr b="0" lang="en-GB" sz="2000" spc="-1" strike="noStrike">
+              <a:latin typeface="Arial"/>
+            </a:endParaRPr>
+          </a:p>
+          <a:p>
+            <a:pPr marL="216000" indent="-214560">
+              <a:lnSpc>
+                <a:spcPct val="100000"/>
+              </a:lnSpc>
+              <a:buClr>
+                <a:srgbClr val="000000"/>
+              </a:buClr>
+              <a:buSzPct val="45000"/>
+              <a:buFont typeface="Wingdings" charset="2"/>
+              <a:buChar char=""/>
+            </a:pPr>
+            <a:r>
+              <a:rPr b="0" lang="en-GB" sz="2000" spc="-1" strike="noStrike">
+                <a:solidFill>
+                  <a:srgbClr val="000000"/>
+                </a:solidFill>
+                <a:latin typeface="Arial"/>
+                <a:ea typeface="DejaVu Sans"/>
+              </a:rPr>
+              <a:t>Replace model definition file only (keep model image)</a:t>
+            </a:r>
+            <a:endParaRPr b="0" lang="en-GB" sz="2000" spc="-1" strike="noStrike">
+              <a:latin typeface="Arial"/>
+            </a:endParaRPr>
+          </a:p>
+          <a:p>
+            <a:pPr marL="216000" indent="-214560">
+              <a:lnSpc>
+                <a:spcPct val="100000"/>
+              </a:lnSpc>
+              <a:buClr>
+                <a:srgbClr val="000000"/>
+              </a:buClr>
+              <a:buSzPct val="45000"/>
+              <a:buFont typeface="Wingdings" charset="2"/>
+              <a:buChar char=""/>
+            </a:pPr>
+            <a:r>
+              <a:rPr b="0" lang="en-GB" sz="2000" spc="-1" strike="noStrike">
+                <a:solidFill>
+                  <a:srgbClr val="000000"/>
+                </a:solidFill>
+                <a:latin typeface="Arial"/>
+                <a:ea typeface="DejaVu Sans"/>
+              </a:rPr>
+              <a:t>Available memory for model or workflow</a:t>
+            </a:r>
+            <a:endParaRPr b="0" lang="en-GB" sz="2000" spc="-1" strike="noStrike">
+              <a:latin typeface="Arial"/>
+            </a:endParaRPr>
+          </a:p>
+          <a:p>
+            <a:pPr marL="216000" indent="-214560">
+              <a:lnSpc>
+                <a:spcPct val="100000"/>
+              </a:lnSpc>
+              <a:buClr>
+                <a:srgbClr val="000000"/>
+              </a:buClr>
+              <a:buSzPct val="45000"/>
+              <a:buFont typeface="Wingdings" charset="2"/>
+              <a:buChar char=""/>
+            </a:pPr>
+            <a:r>
+              <a:rPr b="0" lang="en-GB" sz="2000" spc="-1" strike="noStrike">
+                <a:solidFill>
+                  <a:srgbClr val="000000"/>
+                </a:solidFill>
+                <a:latin typeface="Arial"/>
+                <a:ea typeface="DejaVu Sans"/>
+              </a:rPr>
+              <a:t>DSL to build workflows?</a:t>
+            </a:r>
+            <a:endParaRPr b="0" lang="en-GB" sz="2000" spc="-1" strike="noStrike">
+              <a:latin typeface="Arial"/>
+            </a:endParaRPr>
+          </a:p>
+          <a:p>
+            <a:pPr marL="216000" indent="-214560">
+              <a:lnSpc>
+                <a:spcPct val="100000"/>
+              </a:lnSpc>
+              <a:buClr>
+                <a:srgbClr val="000000"/>
+              </a:buClr>
+              <a:buSzPct val="45000"/>
+              <a:buFont typeface="Wingdings" charset="2"/>
+              <a:buChar char=""/>
+            </a:pPr>
+            <a:r>
+              <a:rPr b="0" lang="en-GB" sz="2000" spc="-1" strike="noStrike">
+                <a:solidFill>
+                  <a:srgbClr val="000000"/>
+                </a:solidFill>
+                <a:latin typeface="Arial"/>
+                <a:ea typeface="DejaVu Sans"/>
+              </a:rPr>
+              <a:t>Upload API (webdav?)</a:t>
+            </a:r>
+            <a:endParaRPr b="0" lang="en-GB" sz="2000" spc="-1" strike="noStrike">
+              <a:latin typeface="Arial"/>
+            </a:endParaRPr>
+          </a:p>
+          <a:p>
+            <a:pPr marL="216000" indent="-214560">
+              <a:lnSpc>
+                <a:spcPct val="100000"/>
+              </a:lnSpc>
+              <a:buClr>
+                <a:srgbClr val="000000"/>
+              </a:buClr>
+              <a:buSzPct val="45000"/>
+              <a:buFont typeface="Wingdings" charset="2"/>
+              <a:buChar char=""/>
+            </a:pPr>
+            <a:endParaRPr b="0" lang="en-GB" sz="2000" spc="-1" strike="noStrike">
+              <a:latin typeface="Arial"/>
+            </a:endParaRPr>
+          </a:p>
+          <a:p>
+            <a:pPr>
+              <a:lnSpc>
+                <a:spcPct val="100000"/>
+              </a:lnSpc>
+            </a:pPr>
+            <a:endParaRPr b="0" lang="en-GB" sz="2000" spc="-1" strike="noStrike">
+              <a:latin typeface="Arial"/>
+            </a:endParaRPr>
+          </a:p>
+          <a:p>
+            <a:pPr marL="216000" indent="-214560">
+              <a:lnSpc>
+                <a:spcPct val="100000"/>
+              </a:lnSpc>
+              <a:buClr>
+                <a:srgbClr val="000000"/>
+              </a:buClr>
+              <a:buSzPct val="45000"/>
+              <a:buFont typeface="Wingdings" charset="2"/>
+              <a:buChar char=""/>
+            </a:pPr>
+            <a:endParaRPr b="0" lang="en-GB" sz="2000" spc="-1" strike="noStrike">
+              <a:latin typeface="Arial"/>
+            </a:endParaRPr>
+          </a:p>
+          <a:p>
+            <a:pPr>
+              <a:lnSpc>
+                <a:spcPct val="100000"/>
+              </a:lnSpc>
+            </a:pPr>
+            <a:endParaRPr b="0" lang="en-GB" sz="2000" spc="-1" strike="noStrike">
+              <a:latin typeface="Arial"/>
+            </a:endParaRPr>
+          </a:p>
+          <a:p>
+            <a:pPr>
+              <a:lnSpc>
+                <a:spcPct val="100000"/>
+              </a:lnSpc>
+            </a:pPr>
+            <a:endParaRPr b="0" lang="en-GB" sz="2000" spc="-1" strike="noStrike">
+              <a:latin typeface="Arial"/>
+            </a:endParaRPr>
+          </a:p>
+          <a:p>
+            <a:pPr marL="216000" indent="-214560">
+              <a:lnSpc>
+                <a:spcPct val="100000"/>
+              </a:lnSpc>
+              <a:buClr>
+                <a:srgbClr val="000000"/>
+              </a:buClr>
+              <a:buSzPct val="45000"/>
+              <a:buFont typeface="Wingdings" charset="2"/>
+              <a:buChar char=""/>
+            </a:pPr>
+            <a:endParaRPr b="0" lang="en-GB" sz="2000" spc="-1" strike="noStrike">
+              <a:latin typeface="Arial"/>
+            </a:endParaRPr>
+          </a:p>
+          <a:p>
+            <a:pPr>
+              <a:lnSpc>
+                <a:spcPct val="100000"/>
+              </a:lnSpc>
+            </a:pPr>
+            <a:endParaRPr b="0" lang="en-GB" sz="2000" spc="-1" strike="noStrike">
+              <a:latin typeface="Arial"/>
+            </a:endParaRPr>
+          </a:p>
+          <a:p>
+            <a:pPr>
+              <a:lnSpc>
+                <a:spcPct val="100000"/>
+              </a:lnSpc>
+            </a:pPr>
+            <a:endParaRPr b="0" lang="en-GB" sz="2000" spc="-1" strike="noStrike">
+              <a:latin typeface="Arial"/>
+            </a:endParaRPr>
+          </a:p>
+          <a:p>
+            <a:pPr>
+              <a:lnSpc>
+                <a:spcPct val="100000"/>
+              </a:lnSpc>
+            </a:pPr>
+            <a:endParaRPr b="0" lang="en-GB" sz="2000" spc="-1" strike="noStrike">
+              <a:latin typeface="Arial"/>
+            </a:endParaRPr>
+          </a:p>
+          <a:p>
+            <a:pPr>
+              <a:lnSpc>
+                <a:spcPct val="100000"/>
+              </a:lnSpc>
+            </a:pPr>
+            <a:endParaRPr b="0" lang="en-GB" sz="2000" spc="-1" strike="noStrike">
+              <a:latin typeface="Arial"/>
+            </a:endParaRPr>
+          </a:p>
+        </p:txBody>
+      </p:sp>
+    </p:spTree>
+  </p:cSld>
+  <p:timing>
+    <p:tnLst>
+      <p:par>
+        <p:cTn id="7" dur="indefinite" restart="never" nodeType="tmRoot">
+          <p:childTnLst>
+            <p:seq>
+              <p:cTn id="8" nodeType="mainSeq"/>
               <p:prevCondLst>
                 <p:cond delay="0" evt="onPrev">
                   <p:tgtEl>
